--- a/UK Road Safety Data.pptx
+++ b/UK Road Safety Data.pptx
@@ -5,36 +5,37 @@
     <p:sldMasterId id="2147483648" r:id="rId1"/>
   </p:sldMasterIdLst>
   <p:notesMasterIdLst>
-    <p:notesMasterId r:id="rId29"/>
+    <p:notesMasterId r:id="rId30"/>
   </p:notesMasterIdLst>
   <p:sldIdLst>
     <p:sldId id="256" r:id="rId2"/>
-    <p:sldId id="279" r:id="rId3"/>
-    <p:sldId id="257" r:id="rId4"/>
-    <p:sldId id="258" r:id="rId5"/>
-    <p:sldId id="259" r:id="rId6"/>
-    <p:sldId id="262" r:id="rId7"/>
-    <p:sldId id="260" r:id="rId8"/>
-    <p:sldId id="263" r:id="rId9"/>
-    <p:sldId id="264" r:id="rId10"/>
-    <p:sldId id="269" r:id="rId11"/>
-    <p:sldId id="271" r:id="rId12"/>
-    <p:sldId id="278" r:id="rId13"/>
-    <p:sldId id="270" r:id="rId14"/>
-    <p:sldId id="282" r:id="rId15"/>
-    <p:sldId id="272" r:id="rId16"/>
-    <p:sldId id="274" r:id="rId17"/>
-    <p:sldId id="277" r:id="rId18"/>
-    <p:sldId id="275" r:id="rId19"/>
-    <p:sldId id="276" r:id="rId20"/>
-    <p:sldId id="265" r:id="rId21"/>
-    <p:sldId id="273" r:id="rId22"/>
-    <p:sldId id="266" r:id="rId23"/>
-    <p:sldId id="267" r:id="rId24"/>
-    <p:sldId id="268" r:id="rId25"/>
-    <p:sldId id="281" r:id="rId26"/>
-    <p:sldId id="283" r:id="rId27"/>
-    <p:sldId id="280" r:id="rId28"/>
+    <p:sldId id="284" r:id="rId3"/>
+    <p:sldId id="279" r:id="rId4"/>
+    <p:sldId id="257" r:id="rId5"/>
+    <p:sldId id="258" r:id="rId6"/>
+    <p:sldId id="259" r:id="rId7"/>
+    <p:sldId id="262" r:id="rId8"/>
+    <p:sldId id="260" r:id="rId9"/>
+    <p:sldId id="263" r:id="rId10"/>
+    <p:sldId id="264" r:id="rId11"/>
+    <p:sldId id="269" r:id="rId12"/>
+    <p:sldId id="271" r:id="rId13"/>
+    <p:sldId id="278" r:id="rId14"/>
+    <p:sldId id="270" r:id="rId15"/>
+    <p:sldId id="282" r:id="rId16"/>
+    <p:sldId id="272" r:id="rId17"/>
+    <p:sldId id="274" r:id="rId18"/>
+    <p:sldId id="277" r:id="rId19"/>
+    <p:sldId id="275" r:id="rId20"/>
+    <p:sldId id="276" r:id="rId21"/>
+    <p:sldId id="265" r:id="rId22"/>
+    <p:sldId id="273" r:id="rId23"/>
+    <p:sldId id="266" r:id="rId24"/>
+    <p:sldId id="267" r:id="rId25"/>
+    <p:sldId id="268" r:id="rId26"/>
+    <p:sldId id="281" r:id="rId27"/>
+    <p:sldId id="283" r:id="rId28"/>
+    <p:sldId id="280" r:id="rId29"/>
   </p:sldIdLst>
   <p:sldSz cx="12192000" cy="6858000"/>
   <p:notesSz cx="6858000" cy="9144000"/>
@@ -1411,7 +1412,7 @@
           <a:p>
             <a:fld id="{FF8EDD13-2D7E-48D3-BC36-DE7B6AA57783}" type="slidenum">
               <a:rPr lang="en-US" smtClean="0"/>
-              <a:t>2</a:t>
+              <a:t>3</a:t>
             </a:fld>
             <a:endParaRPr lang="en-US"/>
           </a:p>
@@ -1498,7 +1499,7 @@
           <a:p>
             <a:fld id="{FF8EDD13-2D7E-48D3-BC36-DE7B6AA57783}" type="slidenum">
               <a:rPr lang="en-US" smtClean="0"/>
-              <a:t>11</a:t>
+              <a:t>12</a:t>
             </a:fld>
             <a:endParaRPr lang="en-US"/>
           </a:p>
@@ -1582,7 +1583,7 @@
           <a:p>
             <a:fld id="{FF8EDD13-2D7E-48D3-BC36-DE7B6AA57783}" type="slidenum">
               <a:rPr lang="en-US" smtClean="0"/>
-              <a:t>12</a:t>
+              <a:t>13</a:t>
             </a:fld>
             <a:endParaRPr lang="en-US"/>
           </a:p>
@@ -1669,7 +1670,7 @@
           <a:p>
             <a:fld id="{FF8EDD13-2D7E-48D3-BC36-DE7B6AA57783}" type="slidenum">
               <a:rPr lang="en-US" smtClean="0"/>
-              <a:t>13</a:t>
+              <a:t>14</a:t>
             </a:fld>
             <a:endParaRPr lang="en-US"/>
           </a:p>
@@ -1756,7 +1757,7 @@
           <a:p>
             <a:fld id="{FF8EDD13-2D7E-48D3-BC36-DE7B6AA57783}" type="slidenum">
               <a:rPr lang="en-US" smtClean="0"/>
-              <a:t>14</a:t>
+              <a:t>15</a:t>
             </a:fld>
             <a:endParaRPr lang="en-US"/>
           </a:p>
@@ -1843,7 +1844,7 @@
           <a:p>
             <a:fld id="{FF8EDD13-2D7E-48D3-BC36-DE7B6AA57783}" type="slidenum">
               <a:rPr lang="en-US" smtClean="0"/>
-              <a:t>16</a:t>
+              <a:t>17</a:t>
             </a:fld>
             <a:endParaRPr lang="en-US"/>
           </a:p>
@@ -1930,7 +1931,7 @@
           <a:p>
             <a:fld id="{FF8EDD13-2D7E-48D3-BC36-DE7B6AA57783}" type="slidenum">
               <a:rPr lang="en-US" smtClean="0"/>
-              <a:t>17</a:t>
+              <a:t>18</a:t>
             </a:fld>
             <a:endParaRPr lang="en-US"/>
           </a:p>
@@ -2017,7 +2018,7 @@
           <a:p>
             <a:fld id="{FF8EDD13-2D7E-48D3-BC36-DE7B6AA57783}" type="slidenum">
               <a:rPr lang="en-US" smtClean="0"/>
-              <a:t>18</a:t>
+              <a:t>19</a:t>
             </a:fld>
             <a:endParaRPr lang="en-US"/>
           </a:p>
@@ -2113,7 +2114,7 @@
           <a:p>
             <a:fld id="{FF8EDD13-2D7E-48D3-BC36-DE7B6AA57783}" type="slidenum">
               <a:rPr lang="en-US" smtClean="0"/>
-              <a:t>19</a:t>
+              <a:t>20</a:t>
             </a:fld>
             <a:endParaRPr lang="en-US"/>
           </a:p>
@@ -2200,7 +2201,7 @@
           <a:p>
             <a:fld id="{FF8EDD13-2D7E-48D3-BC36-DE7B6AA57783}" type="slidenum">
               <a:rPr lang="en-US" smtClean="0"/>
-              <a:t>20</a:t>
+              <a:t>21</a:t>
             </a:fld>
             <a:endParaRPr lang="en-US"/>
           </a:p>
@@ -2287,7 +2288,7 @@
           <a:p>
             <a:fld id="{FF8EDD13-2D7E-48D3-BC36-DE7B6AA57783}" type="slidenum">
               <a:rPr lang="en-US" smtClean="0"/>
-              <a:t>21</a:t>
+              <a:t>22</a:t>
             </a:fld>
             <a:endParaRPr lang="en-US"/>
           </a:p>
@@ -2400,7 +2401,7 @@
           <a:p>
             <a:fld id="{FF8EDD13-2D7E-48D3-BC36-DE7B6AA57783}" type="slidenum">
               <a:rPr lang="en-US" smtClean="0"/>
-              <a:t>3</a:t>
+              <a:t>4</a:t>
             </a:fld>
             <a:endParaRPr lang="en-US"/>
           </a:p>
@@ -2487,7 +2488,7 @@
           <a:p>
             <a:fld id="{FF8EDD13-2D7E-48D3-BC36-DE7B6AA57783}" type="slidenum">
               <a:rPr lang="en-US" smtClean="0"/>
-              <a:t>22</a:t>
+              <a:t>23</a:t>
             </a:fld>
             <a:endParaRPr lang="en-US"/>
           </a:p>
@@ -2574,7 +2575,7 @@
           <a:p>
             <a:fld id="{FF8EDD13-2D7E-48D3-BC36-DE7B6AA57783}" type="slidenum">
               <a:rPr lang="en-US" smtClean="0"/>
-              <a:t>23</a:t>
+              <a:t>24</a:t>
             </a:fld>
             <a:endParaRPr lang="en-US"/>
           </a:p>
@@ -2661,7 +2662,7 @@
           <a:p>
             <a:fld id="{FF8EDD13-2D7E-48D3-BC36-DE7B6AA57783}" type="slidenum">
               <a:rPr lang="en-US" smtClean="0"/>
-              <a:t>24</a:t>
+              <a:t>25</a:t>
             </a:fld>
             <a:endParaRPr lang="en-US"/>
           </a:p>
@@ -2748,7 +2749,7 @@
           <a:p>
             <a:fld id="{FF8EDD13-2D7E-48D3-BC36-DE7B6AA57783}" type="slidenum">
               <a:rPr lang="en-US" smtClean="0"/>
-              <a:t>4</a:t>
+              <a:t>5</a:t>
             </a:fld>
             <a:endParaRPr lang="en-US"/>
           </a:p>
@@ -2835,7 +2836,7 @@
           <a:p>
             <a:fld id="{FF8EDD13-2D7E-48D3-BC36-DE7B6AA57783}" type="slidenum">
               <a:rPr lang="en-US" smtClean="0"/>
-              <a:t>5</a:t>
+              <a:t>6</a:t>
             </a:fld>
             <a:endParaRPr lang="en-US"/>
           </a:p>
@@ -2922,7 +2923,7 @@
           <a:p>
             <a:fld id="{FF8EDD13-2D7E-48D3-BC36-DE7B6AA57783}" type="slidenum">
               <a:rPr lang="en-US" smtClean="0"/>
-              <a:t>6</a:t>
+              <a:t>7</a:t>
             </a:fld>
             <a:endParaRPr lang="en-US"/>
           </a:p>
@@ -3009,7 +3010,7 @@
           <a:p>
             <a:fld id="{FF8EDD13-2D7E-48D3-BC36-DE7B6AA57783}" type="slidenum">
               <a:rPr lang="en-US" smtClean="0"/>
-              <a:t>7</a:t>
+              <a:t>8</a:t>
             </a:fld>
             <a:endParaRPr lang="en-US"/>
           </a:p>
@@ -3096,7 +3097,7 @@
           <a:p>
             <a:fld id="{FF8EDD13-2D7E-48D3-BC36-DE7B6AA57783}" type="slidenum">
               <a:rPr lang="en-US" smtClean="0"/>
-              <a:t>8</a:t>
+              <a:t>9</a:t>
             </a:fld>
             <a:endParaRPr lang="en-US"/>
           </a:p>
@@ -3203,7 +3204,7 @@
           <a:p>
             <a:fld id="{FF8EDD13-2D7E-48D3-BC36-DE7B6AA57783}" type="slidenum">
               <a:rPr lang="en-US" smtClean="0"/>
-              <a:t>9</a:t>
+              <a:t>10</a:t>
             </a:fld>
             <a:endParaRPr lang="en-US"/>
           </a:p>
@@ -3290,7 +3291,7 @@
           <a:p>
             <a:fld id="{FF8EDD13-2D7E-48D3-BC36-DE7B6AA57783}" type="slidenum">
               <a:rPr lang="en-US" smtClean="0"/>
-              <a:t>10</a:t>
+              <a:t>11</a:t>
             </a:fld>
             <a:endParaRPr lang="en-US"/>
           </a:p>
@@ -6616,10 +6617,10 @@
       </p:grpSpPr>
       <p:pic>
         <p:nvPicPr>
-          <p:cNvPr id="14" name="slide14" descr="Driver_MF">
+          <p:cNvPr id="9" name="slide9" descr="Map_LocTypes">
             <a:extLst>
               <a:ext uri="{FF2B5EF4-FFF2-40B4-BE49-F238E27FC236}">
-                <a16:creationId xmlns:a16="http://schemas.microsoft.com/office/drawing/2014/main" id="{D774C418-584B-493C-B387-FC1AA9B7858A}"/>
+                <a16:creationId xmlns:a16="http://schemas.microsoft.com/office/drawing/2014/main" id="{92163DD5-FC71-40DA-A0BC-FB06854353AC}"/>
               </a:ext>
             </a:extLst>
           </p:cNvPr>
@@ -6642,8 +6643,8 @@
         </p:blipFill>
         <p:spPr>
           <a:xfrm>
-            <a:off x="4615470" y="0"/>
-            <a:ext cx="2961060" cy="6858000"/>
+            <a:off x="0" y="92758"/>
+            <a:ext cx="12192000" cy="6672483"/>
           </a:xfrm>
           <a:prstGeom prst="rect">
             <a:avLst/>
@@ -6682,10 +6683,10 @@
       </p:grpSpPr>
       <p:pic>
         <p:nvPicPr>
-          <p:cNvPr id="16" name="slide16" descr="Casu_MF">
+          <p:cNvPr id="14" name="slide14" descr="Driver_MF">
             <a:extLst>
               <a:ext uri="{FF2B5EF4-FFF2-40B4-BE49-F238E27FC236}">
-                <a16:creationId xmlns:a16="http://schemas.microsoft.com/office/drawing/2014/main" id="{7BC863D3-80C6-4D33-8931-A387C65273FE}"/>
+                <a16:creationId xmlns:a16="http://schemas.microsoft.com/office/drawing/2014/main" id="{D774C418-584B-493C-B387-FC1AA9B7858A}"/>
               </a:ext>
             </a:extLst>
           </p:cNvPr>
@@ -6708,8 +6709,8 @@
         </p:blipFill>
         <p:spPr>
           <a:xfrm>
-            <a:off x="3537044" y="0"/>
-            <a:ext cx="5117910" cy="6858000"/>
+            <a:off x="4615470" y="0"/>
+            <a:ext cx="2961060" cy="6858000"/>
           </a:xfrm>
           <a:prstGeom prst="rect">
             <a:avLst/>
@@ -6748,10 +6749,10 @@
       </p:grpSpPr>
       <p:pic>
         <p:nvPicPr>
-          <p:cNvPr id="23" name="slide23" descr="M-F">
+          <p:cNvPr id="16" name="slide16" descr="Casu_MF">
             <a:extLst>
               <a:ext uri="{FF2B5EF4-FFF2-40B4-BE49-F238E27FC236}">
-                <a16:creationId xmlns:a16="http://schemas.microsoft.com/office/drawing/2014/main" id="{66F67AC6-EDE4-49B7-B8FD-BC9D89B86A02}"/>
+                <a16:creationId xmlns:a16="http://schemas.microsoft.com/office/drawing/2014/main" id="{7BC863D3-80C6-4D33-8931-A387C65273FE}"/>
               </a:ext>
             </a:extLst>
           </p:cNvPr>
@@ -6774,8 +6775,8 @@
         </p:blipFill>
         <p:spPr>
           <a:xfrm>
-            <a:off x="3275441" y="0"/>
-            <a:ext cx="5641118" cy="6858000"/>
+            <a:off x="3537044" y="0"/>
+            <a:ext cx="5117910" cy="6858000"/>
           </a:xfrm>
           <a:prstGeom prst="rect">
             <a:avLst/>
@@ -6814,10 +6815,10 @@
       </p:grpSpPr>
       <p:pic>
         <p:nvPicPr>
-          <p:cNvPr id="15" name="slide15" descr="Passenger Front_Rear">
+          <p:cNvPr id="23" name="slide23" descr="M-F">
             <a:extLst>
               <a:ext uri="{FF2B5EF4-FFF2-40B4-BE49-F238E27FC236}">
-                <a16:creationId xmlns:a16="http://schemas.microsoft.com/office/drawing/2014/main" id="{62BCDD3E-BED0-4FFC-9622-7F5F79A0DEB2}"/>
+                <a16:creationId xmlns:a16="http://schemas.microsoft.com/office/drawing/2014/main" id="{66F67AC6-EDE4-49B7-B8FD-BC9D89B86A02}"/>
               </a:ext>
             </a:extLst>
           </p:cNvPr>
@@ -6840,8 +6841,8 @@
         </p:blipFill>
         <p:spPr>
           <a:xfrm>
-            <a:off x="0" y="2721485"/>
-            <a:ext cx="12192000" cy="1415030"/>
+            <a:off x="3275441" y="0"/>
+            <a:ext cx="5641118" cy="6858000"/>
           </a:xfrm>
           <a:prstGeom prst="rect">
             <a:avLst/>
@@ -6880,6 +6881,72 @@
       </p:grpSpPr>
       <p:pic>
         <p:nvPicPr>
+          <p:cNvPr id="15" name="slide15" descr="Passenger Front_Rear">
+            <a:extLst>
+              <a:ext uri="{FF2B5EF4-FFF2-40B4-BE49-F238E27FC236}">
+                <a16:creationId xmlns:a16="http://schemas.microsoft.com/office/drawing/2014/main" id="{62BCDD3E-BED0-4FFC-9622-7F5F79A0DEB2}"/>
+              </a:ext>
+            </a:extLst>
+          </p:cNvPr>
+          <p:cNvPicPr>
+            <a:picLocks noChangeAspect="1"/>
+          </p:cNvPicPr>
+          <p:nvPr/>
+        </p:nvPicPr>
+        <p:blipFill>
+          <a:blip r:embed="rId3">
+            <a:extLst>
+              <a:ext uri="{28A0092B-C50C-407E-A947-70E740481C1C}">
+                <a14:useLocalDpi xmlns:a14="http://schemas.microsoft.com/office/drawing/2010/main" val="0"/>
+              </a:ext>
+            </a:extLst>
+          </a:blip>
+          <a:stretch>
+            <a:fillRect/>
+          </a:stretch>
+        </p:blipFill>
+        <p:spPr>
+          <a:xfrm>
+            <a:off x="0" y="2721485"/>
+            <a:ext cx="12192000" cy="1415030"/>
+          </a:xfrm>
+          <a:prstGeom prst="rect">
+            <a:avLst/>
+          </a:prstGeom>
+        </p:spPr>
+      </p:pic>
+    </p:spTree>
+    <p:extLst>
+      <p:ext uri="{BB962C8B-B14F-4D97-AF65-F5344CB8AC3E}">
+        <p14:creationId xmlns:p14="http://schemas.microsoft.com/office/powerpoint/2010/main" val="95992585"/>
+      </p:ext>
+    </p:extLst>
+  </p:cSld>
+  <p:clrMapOvr>
+    <a:masterClrMapping/>
+  </p:clrMapOvr>
+</p:sld>
+</file>
+
+<file path=ppt/slides/slide15.xml><?xml version="1.0" encoding="utf-8"?>
+<p:sld xmlns:a="http://schemas.openxmlformats.org/drawingml/2006/main" xmlns:r="http://schemas.openxmlformats.org/officeDocument/2006/relationships" xmlns:p="http://schemas.openxmlformats.org/presentationml/2006/main">
+  <p:cSld>
+    <p:spTree>
+      <p:nvGrpSpPr>
+        <p:cNvPr id="1" name=""/>
+        <p:cNvGrpSpPr/>
+        <p:nvPr/>
+      </p:nvGrpSpPr>
+      <p:grpSpPr>
+        <a:xfrm>
+          <a:off x="0" y="0"/>
+          <a:ext cx="0" cy="0"/>
+          <a:chOff x="0" y="0"/>
+          <a:chExt cx="0" cy="0"/>
+        </a:xfrm>
+      </p:grpSpPr>
+      <p:pic>
+        <p:nvPicPr>
           <p:cNvPr id="17" name="slide17" descr="Ages of Casualty">
             <a:extLst>
               <a:ext uri="{FF2B5EF4-FFF2-40B4-BE49-F238E27FC236}">
@@ -6927,7 +6994,7 @@
 </p:sld>
 </file>
 
-<file path=ppt/slides/slide15.xml><?xml version="1.0" encoding="utf-8"?>
+<file path=ppt/slides/slide16.xml><?xml version="1.0" encoding="utf-8"?>
 <p:sld xmlns:a="http://schemas.openxmlformats.org/drawingml/2006/main" xmlns:r="http://schemas.openxmlformats.org/officeDocument/2006/relationships" xmlns:p="http://schemas.openxmlformats.org/presentationml/2006/main">
   <p:cSld>
     <p:spTree>
@@ -7090,7 +7157,7 @@
 </p:sld>
 </file>
 
-<file path=ppt/slides/slide16.xml><?xml version="1.0" encoding="utf-8"?>
+<file path=ppt/slides/slide17.xml><?xml version="1.0" encoding="utf-8"?>
 <p:sld xmlns:a="http://schemas.openxmlformats.org/drawingml/2006/main" xmlns:r="http://schemas.openxmlformats.org/officeDocument/2006/relationships" xmlns:p="http://schemas.openxmlformats.org/presentationml/2006/main">
   <p:cSld>
     <p:spTree>
@@ -7137,72 +7204,6 @@
           <a:xfrm>
             <a:off x="3132512" y="0"/>
             <a:ext cx="5926974" cy="6858000"/>
-          </a:xfrm>
-          <a:prstGeom prst="rect">
-            <a:avLst/>
-          </a:prstGeom>
-        </p:spPr>
-      </p:pic>
-    </p:spTree>
-    <p:extLst>
-      <p:ext uri="{BB962C8B-B14F-4D97-AF65-F5344CB8AC3E}">
-        <p14:creationId xmlns:p14="http://schemas.microsoft.com/office/powerpoint/2010/main" val="95992585"/>
-      </p:ext>
-    </p:extLst>
-  </p:cSld>
-  <p:clrMapOvr>
-    <a:masterClrMapping/>
-  </p:clrMapOvr>
-</p:sld>
-</file>
-
-<file path=ppt/slides/slide17.xml><?xml version="1.0" encoding="utf-8"?>
-<p:sld xmlns:a="http://schemas.openxmlformats.org/drawingml/2006/main" xmlns:r="http://schemas.openxmlformats.org/officeDocument/2006/relationships" xmlns:p="http://schemas.openxmlformats.org/presentationml/2006/main">
-  <p:cSld>
-    <p:spTree>
-      <p:nvGrpSpPr>
-        <p:cNvPr id="1" name=""/>
-        <p:cNvGrpSpPr/>
-        <p:nvPr/>
-      </p:nvGrpSpPr>
-      <p:grpSpPr>
-        <a:xfrm>
-          <a:off x="0" y="0"/>
-          <a:ext cx="0" cy="0"/>
-          <a:chOff x="0" y="0"/>
-          <a:chExt cx="0" cy="0"/>
-        </a:xfrm>
-      </p:grpSpPr>
-      <p:pic>
-        <p:nvPicPr>
-          <p:cNvPr id="22" name="slide22" descr="Home Area">
-            <a:extLst>
-              <a:ext uri="{FF2B5EF4-FFF2-40B4-BE49-F238E27FC236}">
-                <a16:creationId xmlns:a16="http://schemas.microsoft.com/office/drawing/2014/main" id="{074D9E18-E3CF-4782-B447-3242243180DD}"/>
-              </a:ext>
-            </a:extLst>
-          </p:cNvPr>
-          <p:cNvPicPr>
-            <a:picLocks noChangeAspect="1"/>
-          </p:cNvPicPr>
-          <p:nvPr/>
-        </p:nvPicPr>
-        <p:blipFill>
-          <a:blip r:embed="rId3">
-            <a:extLst>
-              <a:ext uri="{28A0092B-C50C-407E-A947-70E740481C1C}">
-                <a14:useLocalDpi xmlns:a14="http://schemas.microsoft.com/office/drawing/2010/main" val="0"/>
-              </a:ext>
-            </a:extLst>
-          </a:blip>
-          <a:stretch>
-            <a:fillRect/>
-          </a:stretch>
-        </p:blipFill>
-        <p:spPr>
-          <a:xfrm>
-            <a:off x="0" y="2852479"/>
-            <a:ext cx="12192000" cy="1153041"/>
           </a:xfrm>
           <a:prstGeom prst="rect">
             <a:avLst/>
@@ -7241,10 +7242,10 @@
       </p:grpSpPr>
       <p:pic>
         <p:nvPicPr>
-          <p:cNvPr id="20" name="slide20" descr="Vehicle Ages">
+          <p:cNvPr id="22" name="slide22" descr="Home Area">
             <a:extLst>
               <a:ext uri="{FF2B5EF4-FFF2-40B4-BE49-F238E27FC236}">
-                <a16:creationId xmlns:a16="http://schemas.microsoft.com/office/drawing/2014/main" id="{051A5FC5-5344-4035-83ED-5844FB2E2848}"/>
+                <a16:creationId xmlns:a16="http://schemas.microsoft.com/office/drawing/2014/main" id="{074D9E18-E3CF-4782-B447-3242243180DD}"/>
               </a:ext>
             </a:extLst>
           </p:cNvPr>
@@ -7267,8 +7268,8 @@
         </p:blipFill>
         <p:spPr>
           <a:xfrm>
-            <a:off x="0" y="2395779"/>
-            <a:ext cx="12192000" cy="2066440"/>
+            <a:off x="0" y="2852479"/>
+            <a:ext cx="12192000" cy="1153041"/>
           </a:xfrm>
           <a:prstGeom prst="rect">
             <a:avLst/>
@@ -7307,10 +7308,10 @@
       </p:grpSpPr>
       <p:pic>
         <p:nvPicPr>
-          <p:cNvPr id="21" name="slide21" descr="IMD">
+          <p:cNvPr id="20" name="slide20" descr="Vehicle Ages">
             <a:extLst>
               <a:ext uri="{FF2B5EF4-FFF2-40B4-BE49-F238E27FC236}">
-                <a16:creationId xmlns:a16="http://schemas.microsoft.com/office/drawing/2014/main" id="{8C56F492-7C3E-4EF2-81D0-47B5F342CE5B}"/>
+                <a16:creationId xmlns:a16="http://schemas.microsoft.com/office/drawing/2014/main" id="{051A5FC5-5344-4035-83ED-5844FB2E2848}"/>
               </a:ext>
             </a:extLst>
           </p:cNvPr>
@@ -7333,8 +7334,8 @@
         </p:blipFill>
         <p:spPr>
           <a:xfrm>
-            <a:off x="0" y="1917012"/>
-            <a:ext cx="12192000" cy="3023974"/>
+            <a:off x="0" y="2395779"/>
+            <a:ext cx="12192000" cy="2066440"/>
           </a:xfrm>
           <a:prstGeom prst="rect">
             <a:avLst/>
@@ -7373,10 +7374,10 @@
       </p:grpSpPr>
       <p:sp>
         <p:nvSpPr>
-          <p:cNvPr id="3" name="TextBox 2">
+          <p:cNvPr id="2" name="TextBox 1">
             <a:extLst>
               <a:ext uri="{FF2B5EF4-FFF2-40B4-BE49-F238E27FC236}">
-                <a16:creationId xmlns:a16="http://schemas.microsoft.com/office/drawing/2014/main" id="{20F1EFF2-2B7B-1CED-5DA7-C26ECDB659F8}"/>
+                <a16:creationId xmlns:a16="http://schemas.microsoft.com/office/drawing/2014/main" id="{E6AFD0C2-5AAC-1B19-5538-BCFC33D552BC}"/>
               </a:ext>
             </a:extLst>
           </p:cNvPr>
@@ -7385,8 +7386,8 @@
         </p:nvSpPr>
         <p:spPr>
           <a:xfrm>
-            <a:off x="535577" y="2506456"/>
-            <a:ext cx="11120846" cy="1569660"/>
+            <a:off x="679268" y="428178"/>
+            <a:ext cx="9048205" cy="6063198"/>
           </a:xfrm>
           <a:prstGeom prst="rect">
             <a:avLst/>
@@ -7399,129 +7400,319 @@
           </a:bodyPr>
           <a:lstStyle/>
           <a:p>
-            <a:r>
-              <a:rPr lang="en-US" sz="3200" dirty="0">
+            <a:pPr algn="l"/>
+            <a:endParaRPr lang="en-US" sz="1600" b="0" i="0" dirty="0">
+              <a:solidFill>
+                <a:srgbClr val="636363"/>
+              </a:solidFill>
+              <a:effectLst/>
+            </a:endParaRPr>
+          </a:p>
+          <a:p>
+            <a:pPr algn="l"/>
+            <a:r>
+              <a:rPr lang="en-US" b="1" dirty="0">
                 <a:solidFill>
-                  <a:srgbClr val="C00000"/>
+                  <a:srgbClr val="636363"/>
                 </a:solidFill>
               </a:rPr>
-              <a:t>If you knew you were going to get into an accident on your commute home tonight, but you could prevent it, would you want to know how?</a:t>
-            </a:r>
-          </a:p>
-        </p:txBody>
-      </p:sp>
-      <p:sp>
-        <p:nvSpPr>
-          <p:cNvPr id="4" name="TextBox 3">
-            <a:extLst>
-              <a:ext uri="{FF2B5EF4-FFF2-40B4-BE49-F238E27FC236}">
-                <a16:creationId xmlns:a16="http://schemas.microsoft.com/office/drawing/2014/main" id="{257E4944-DAB1-0300-5541-769259EAABB9}"/>
-              </a:ext>
-            </a:extLst>
-          </p:cNvPr>
-          <p:cNvSpPr txBox="1"/>
-          <p:nvPr/>
-        </p:nvSpPr>
-        <p:spPr>
-          <a:xfrm>
-            <a:off x="1824445" y="1025244"/>
-            <a:ext cx="9257212" cy="923330"/>
-          </a:xfrm>
-          <a:prstGeom prst="rect">
-            <a:avLst/>
-          </a:prstGeom>
-          <a:noFill/>
-        </p:spPr>
-        <p:txBody>
-          <a:bodyPr wrap="square" rtlCol="0">
-            <a:spAutoFit/>
-          </a:bodyPr>
-          <a:lstStyle/>
-          <a:p>
-            <a:r>
-              <a:rPr lang="en-US" sz="5400" dirty="0"/>
-              <a:t>Can we prevent an accident?</a:t>
-            </a:r>
-          </a:p>
-        </p:txBody>
-      </p:sp>
-      <p:sp>
-        <p:nvSpPr>
-          <p:cNvPr id="5" name="TextBox 4">
-            <a:extLst>
-              <a:ext uri="{FF2B5EF4-FFF2-40B4-BE49-F238E27FC236}">
-                <a16:creationId xmlns:a16="http://schemas.microsoft.com/office/drawing/2014/main" id="{32F54929-4D6A-2387-19EB-29480B019BC8}"/>
-              </a:ext>
-            </a:extLst>
-          </p:cNvPr>
-          <p:cNvSpPr txBox="1"/>
-          <p:nvPr/>
-        </p:nvSpPr>
-        <p:spPr>
-          <a:xfrm>
-            <a:off x="148045" y="5191880"/>
-            <a:ext cx="10406743" cy="1446550"/>
-          </a:xfrm>
-          <a:prstGeom prst="rect">
-            <a:avLst/>
-          </a:prstGeom>
-          <a:noFill/>
-        </p:spPr>
-        <p:txBody>
-          <a:bodyPr wrap="square" rtlCol="0">
-            <a:spAutoFit/>
-          </a:bodyPr>
-          <a:lstStyle/>
-          <a:p>
-            <a:r>
-              <a:rPr lang="en-US" dirty="0">
+              <a:t>Dataset</a:t>
+            </a:r>
+            <a:endParaRPr lang="en-US" b="1" i="0" dirty="0">
+              <a:solidFill>
+                <a:srgbClr val="636363"/>
+              </a:solidFill>
+              <a:effectLst/>
+            </a:endParaRPr>
+          </a:p>
+          <a:p>
+            <a:pPr algn="l"/>
+            <a:r>
+              <a:rPr lang="en-US" sz="1600" b="0" i="0" dirty="0">
                 <a:solidFill>
-                  <a:schemeClr val="bg1">
-                    <a:lumMod val="50000"/>
-                  </a:schemeClr>
+                  <a:srgbClr val="636363"/>
                 </a:solidFill>
+                <a:effectLst/>
               </a:rPr>
-              <a:t>Disclaimers:</a:t>
-            </a:r>
-          </a:p>
-          <a:p>
-            <a:pPr marL="285750" indent="-285750">
+              <a:t>The UKRoadSafetyData.zip was provided to me to use as test data for analysis practice and demonstration. </a:t>
+            </a:r>
+            <a:r>
+              <a:rPr lang="en-US" sz="1600" b="0" i="0" u="none" strike="noStrike" dirty="0">
+                <a:solidFill>
+                  <a:srgbClr val="337AB7"/>
+                </a:solidFill>
+                <a:effectLst/>
+                <a:hlinkClick r:id="rId2"/>
+              </a:rPr>
+              <a:t>Link to dataset -</a:t>
+            </a:r>
+            <a:endParaRPr lang="en-US" sz="1600" b="0" i="0" dirty="0">
+              <a:solidFill>
+                <a:srgbClr val="636363"/>
+              </a:solidFill>
+              <a:effectLst/>
+            </a:endParaRPr>
+          </a:p>
+          <a:p>
+            <a:pPr algn="l"/>
+            <a:endParaRPr lang="en-US" sz="1600" b="0" i="0" dirty="0">
+              <a:solidFill>
+                <a:srgbClr val="636363"/>
+              </a:solidFill>
+              <a:effectLst/>
+            </a:endParaRPr>
+          </a:p>
+          <a:p>
+            <a:pPr marL="285750" indent="-285750" algn="l">
               <a:buFont typeface="Arial" panose="020B0604020202020204" pitchFamily="34" charset="0"/>
               <a:buChar char="•"/>
             </a:pPr>
             <a:r>
-              <a:rPr lang="en-US" sz="1400" dirty="0">
+              <a:rPr lang="en-US" sz="1600" dirty="0">
                 <a:solidFill>
-                  <a:schemeClr val="bg1">
-                    <a:lumMod val="50000"/>
-                  </a:schemeClr>
+                  <a:srgbClr val="636363"/>
                 </a:solidFill>
               </a:rPr>
-              <a:t>Incomplete data or missing values are present in several measures, leading to an incomplete representation of all accidents within those metrics.</a:t>
-            </a:r>
-          </a:p>
-          <a:p>
-            <a:pPr marL="285750" indent="-285750">
+              <a:t>Accident Data (four files, 2015-2018)</a:t>
+            </a:r>
+          </a:p>
+          <a:p>
+            <a:pPr marL="285750" indent="-285750" algn="l">
               <a:buFont typeface="Arial" panose="020B0604020202020204" pitchFamily="34" charset="0"/>
               <a:buChar char="•"/>
             </a:pPr>
             <a:r>
-              <a:rPr lang="en-US" sz="1400" dirty="0">
+              <a:rPr lang="en-US" sz="1600" dirty="0">
                 <a:solidFill>
-                  <a:schemeClr val="bg1">
-                    <a:lumMod val="50000"/>
-                  </a:schemeClr>
+                  <a:srgbClr val="636363"/>
                 </a:solidFill>
               </a:rPr>
-              <a:t>The following slides represent the question “Does this tell me anything?” Therefore, some slides will reflect that a particular measure is not significant, while others may indicate something interesting or useful. Sometimes it is the items that do not show a trend that surprised me most.</a:t>
-            </a:r>
+              <a:t>Vehicle Data (four files, 2015-2018)</a:t>
+            </a:r>
+          </a:p>
+          <a:p>
+            <a:pPr marL="285750" indent="-285750" algn="l">
+              <a:buFont typeface="Arial" panose="020B0604020202020204" pitchFamily="34" charset="0"/>
+              <a:buChar char="•"/>
+            </a:pPr>
+            <a:r>
+              <a:rPr lang="en-US" sz="1600" dirty="0">
+                <a:solidFill>
+                  <a:srgbClr val="636363"/>
+                </a:solidFill>
+              </a:rPr>
+              <a:t>Casualty Data  (four files, 2015-2018)</a:t>
+            </a:r>
+          </a:p>
+          <a:p>
+            <a:pPr marL="285750" indent="-285750" algn="l">
+              <a:buFont typeface="Arial" panose="020B0604020202020204" pitchFamily="34" charset="0"/>
+              <a:buChar char="•"/>
+            </a:pPr>
+            <a:r>
+              <a:rPr lang="en-US" sz="1600" dirty="0">
+                <a:solidFill>
+                  <a:srgbClr val="636363"/>
+                </a:solidFill>
+              </a:rPr>
+              <a:t>Codes Tables (Various codes tables)</a:t>
+            </a:r>
+          </a:p>
+          <a:p>
+            <a:pPr marL="285750" indent="-285750" algn="l">
+              <a:buFont typeface="Arial" panose="020B0604020202020204" pitchFamily="34" charset="0"/>
+              <a:buChar char="•"/>
+            </a:pPr>
+            <a:r>
+              <a:rPr lang="en-US" sz="1600" dirty="0">
+                <a:solidFill>
+                  <a:srgbClr val="636363"/>
+                </a:solidFill>
+              </a:rPr>
+              <a:t>Alcohol Data – Not used in this Analysis</a:t>
+            </a:r>
+          </a:p>
+          <a:p>
+            <a:pPr marL="285750" indent="-285750" algn="l">
+              <a:buFont typeface="Arial" panose="020B0604020202020204" pitchFamily="34" charset="0"/>
+              <a:buChar char="•"/>
+            </a:pPr>
+            <a:r>
+              <a:rPr lang="en-US" sz="1600" dirty="0">
+                <a:solidFill>
+                  <a:srgbClr val="636363"/>
+                </a:solidFill>
+              </a:rPr>
+              <a:t>Unverified 2019 data – Not used in this Analysis</a:t>
+            </a:r>
+          </a:p>
+          <a:p>
+            <a:pPr marL="285750" indent="-285750" algn="l">
+              <a:buFont typeface="Arial" panose="020B0604020202020204" pitchFamily="34" charset="0"/>
+              <a:buChar char="•"/>
+            </a:pPr>
+            <a:endParaRPr lang="en-US" sz="1600" dirty="0">
+              <a:solidFill>
+                <a:srgbClr val="636363"/>
+              </a:solidFill>
+            </a:endParaRPr>
+          </a:p>
+          <a:p>
+            <a:pPr algn="l"/>
+            <a:r>
+              <a:rPr lang="en-US" b="1" i="0" dirty="0">
+                <a:solidFill>
+                  <a:srgbClr val="636363"/>
+                </a:solidFill>
+                <a:effectLst/>
+              </a:rPr>
+              <a:t>Tools</a:t>
+            </a:r>
+          </a:p>
+          <a:p>
+            <a:pPr marL="285750" indent="-285750" algn="l">
+              <a:buFont typeface="Arial" panose="020B0604020202020204" pitchFamily="34" charset="0"/>
+              <a:buChar char="•"/>
+            </a:pPr>
+            <a:r>
+              <a:rPr lang="en-US" sz="1600" b="0" i="0" dirty="0">
+                <a:solidFill>
+                  <a:srgbClr val="636363"/>
+                </a:solidFill>
+                <a:effectLst/>
+              </a:rPr>
+              <a:t>Microsoft SQL Server Management Studio</a:t>
+            </a:r>
+          </a:p>
+          <a:p>
+            <a:pPr marL="285750" indent="-285750" algn="l">
+              <a:buFont typeface="Arial" panose="020B0604020202020204" pitchFamily="34" charset="0"/>
+              <a:buChar char="•"/>
+            </a:pPr>
+            <a:r>
+              <a:rPr lang="en-US" sz="1600" b="0" i="0" dirty="0">
+                <a:solidFill>
+                  <a:srgbClr val="636363"/>
+                </a:solidFill>
+                <a:effectLst/>
+              </a:rPr>
+              <a:t>Microsoft Visual Studio 2022</a:t>
+            </a:r>
+          </a:p>
+          <a:p>
+            <a:pPr marL="285750" indent="-285750" algn="l">
+              <a:buFont typeface="Arial" panose="020B0604020202020204" pitchFamily="34" charset="0"/>
+              <a:buChar char="•"/>
+            </a:pPr>
+            <a:r>
+              <a:rPr lang="en-US" sz="1600" b="0" i="0" dirty="0">
+                <a:solidFill>
+                  <a:srgbClr val="636363"/>
+                </a:solidFill>
+                <a:effectLst/>
+              </a:rPr>
+              <a:t>Microsoft Excel (Power Query, CSVs)</a:t>
+            </a:r>
+          </a:p>
+          <a:p>
+            <a:pPr marL="285750" indent="-285750" algn="l">
+              <a:buFont typeface="Arial" panose="020B0604020202020204" pitchFamily="34" charset="0"/>
+              <a:buChar char="•"/>
+            </a:pPr>
+            <a:r>
+              <a:rPr lang="en-US" sz="1600" b="0" i="0" dirty="0">
+                <a:solidFill>
+                  <a:srgbClr val="636363"/>
+                </a:solidFill>
+                <a:effectLst/>
+              </a:rPr>
+              <a:t>Posit RStudio</a:t>
+            </a:r>
+          </a:p>
+          <a:p>
+            <a:pPr marL="285750" indent="-285750" algn="l">
+              <a:buFont typeface="Arial" panose="020B0604020202020204" pitchFamily="34" charset="0"/>
+              <a:buChar char="•"/>
+            </a:pPr>
+            <a:r>
+              <a:rPr lang="en-US" sz="1600" b="0" i="0" dirty="0">
+                <a:solidFill>
+                  <a:srgbClr val="636363"/>
+                </a:solidFill>
+                <a:effectLst/>
+              </a:rPr>
+              <a:t>Tableau Public</a:t>
+            </a:r>
+          </a:p>
+          <a:p>
+            <a:pPr algn="l"/>
+            <a:endParaRPr lang="en-US" sz="1600" b="0" i="0" dirty="0">
+              <a:solidFill>
+                <a:srgbClr val="636363"/>
+              </a:solidFill>
+              <a:effectLst/>
+            </a:endParaRPr>
+          </a:p>
+          <a:p>
+            <a:pPr algn="l"/>
+            <a:r>
+              <a:rPr lang="en-US" b="1" i="0" dirty="0">
+                <a:solidFill>
+                  <a:srgbClr val="636363"/>
+                </a:solidFill>
+                <a:effectLst/>
+              </a:rPr>
+              <a:t>Languages</a:t>
+            </a:r>
+            <a:endParaRPr lang="en-US" sz="1600" b="1" i="0" dirty="0">
+              <a:solidFill>
+                <a:srgbClr val="636363"/>
+              </a:solidFill>
+              <a:effectLst/>
+            </a:endParaRPr>
+          </a:p>
+          <a:p>
+            <a:pPr marL="285750" indent="-285750" algn="l">
+              <a:buFont typeface="Arial" panose="020B0604020202020204" pitchFamily="34" charset="0"/>
+              <a:buChar char="•"/>
+            </a:pPr>
+            <a:r>
+              <a:rPr lang="en-US" sz="1600" b="0" i="0" dirty="0">
+                <a:solidFill>
+                  <a:srgbClr val="636363"/>
+                </a:solidFill>
+                <a:effectLst/>
+              </a:rPr>
+              <a:t>SQL</a:t>
+            </a:r>
+          </a:p>
+          <a:p>
+            <a:pPr marL="285750" indent="-285750" algn="l">
+              <a:buFont typeface="Arial" panose="020B0604020202020204" pitchFamily="34" charset="0"/>
+              <a:buChar char="•"/>
+            </a:pPr>
+            <a:r>
+              <a:rPr lang="en-US" sz="1600" b="0" i="0" dirty="0">
+                <a:solidFill>
+                  <a:srgbClr val="636363"/>
+                </a:solidFill>
+                <a:effectLst/>
+              </a:rPr>
+              <a:t>R</a:t>
+            </a:r>
+          </a:p>
+          <a:p>
+            <a:br>
+              <a:rPr lang="en-US" sz="1600" dirty="0"/>
+            </a:br>
+            <a:endParaRPr lang="en-US" sz="1600" dirty="0"/>
           </a:p>
         </p:txBody>
       </p:sp>
     </p:spTree>
     <p:extLst>
       <p:ext uri="{BB962C8B-B14F-4D97-AF65-F5344CB8AC3E}">
-        <p14:creationId xmlns:p14="http://schemas.microsoft.com/office/powerpoint/2010/main" val="2901994368"/>
+        <p14:creationId xmlns:p14="http://schemas.microsoft.com/office/powerpoint/2010/main" val="3431501830"/>
       </p:ext>
     </p:extLst>
   </p:cSld>
@@ -7550,10 +7741,10 @@
       </p:grpSpPr>
       <p:pic>
         <p:nvPicPr>
-          <p:cNvPr id="10" name="slide10" descr="Veh Ref Count">
+          <p:cNvPr id="21" name="slide21" descr="IMD">
             <a:extLst>
               <a:ext uri="{FF2B5EF4-FFF2-40B4-BE49-F238E27FC236}">
-                <a16:creationId xmlns:a16="http://schemas.microsoft.com/office/drawing/2014/main" id="{7C208C43-B8F2-464E-8BE0-F896A52B1007}"/>
+                <a16:creationId xmlns:a16="http://schemas.microsoft.com/office/drawing/2014/main" id="{8C56F492-7C3E-4EF2-81D0-47B5F342CE5B}"/>
               </a:ext>
             </a:extLst>
           </p:cNvPr>
@@ -7576,8 +7767,8 @@
         </p:blipFill>
         <p:spPr>
           <a:xfrm>
-            <a:off x="0" y="2773163"/>
-            <a:ext cx="12192000" cy="1311672"/>
+            <a:off x="0" y="1917012"/>
+            <a:ext cx="12192000" cy="3023974"/>
           </a:xfrm>
           <a:prstGeom prst="rect">
             <a:avLst/>
@@ -7616,10 +7807,10 @@
       </p:grpSpPr>
       <p:pic>
         <p:nvPicPr>
-          <p:cNvPr id="18" name="slide18" descr="Light">
+          <p:cNvPr id="10" name="slide10" descr="Veh Ref Count">
             <a:extLst>
               <a:ext uri="{FF2B5EF4-FFF2-40B4-BE49-F238E27FC236}">
-                <a16:creationId xmlns:a16="http://schemas.microsoft.com/office/drawing/2014/main" id="{C14A9E66-5A20-4BE9-928F-4E265468661F}"/>
+                <a16:creationId xmlns:a16="http://schemas.microsoft.com/office/drawing/2014/main" id="{7C208C43-B8F2-464E-8BE0-F896A52B1007}"/>
               </a:ext>
             </a:extLst>
           </p:cNvPr>
@@ -7642,8 +7833,8 @@
         </p:blipFill>
         <p:spPr>
           <a:xfrm>
-            <a:off x="2775065" y="0"/>
-            <a:ext cx="6641869" cy="6858000"/>
+            <a:off x="0" y="2773163"/>
+            <a:ext cx="12192000" cy="1311672"/>
           </a:xfrm>
           <a:prstGeom prst="rect">
             <a:avLst/>
@@ -7682,10 +7873,10 @@
       </p:grpSpPr>
       <p:pic>
         <p:nvPicPr>
-          <p:cNvPr id="11" name="slide11" descr="Dry vs Wet">
+          <p:cNvPr id="18" name="slide18" descr="Light">
             <a:extLst>
               <a:ext uri="{FF2B5EF4-FFF2-40B4-BE49-F238E27FC236}">
-                <a16:creationId xmlns:a16="http://schemas.microsoft.com/office/drawing/2014/main" id="{A40D6F1F-9870-4839-B09C-74AA158816B4}"/>
+                <a16:creationId xmlns:a16="http://schemas.microsoft.com/office/drawing/2014/main" id="{C14A9E66-5A20-4BE9-928F-4E265468661F}"/>
               </a:ext>
             </a:extLst>
           </p:cNvPr>
@@ -7708,8 +7899,8 @@
         </p:blipFill>
         <p:spPr>
           <a:xfrm>
-            <a:off x="1816639" y="0"/>
-            <a:ext cx="8558721" cy="6858000"/>
+            <a:off x="2775065" y="0"/>
+            <a:ext cx="6641869" cy="6858000"/>
           </a:xfrm>
           <a:prstGeom prst="rect">
             <a:avLst/>
@@ -7748,6 +7939,72 @@
       </p:grpSpPr>
       <p:pic>
         <p:nvPicPr>
+          <p:cNvPr id="11" name="slide11" descr="Dry vs Wet">
+            <a:extLst>
+              <a:ext uri="{FF2B5EF4-FFF2-40B4-BE49-F238E27FC236}">
+                <a16:creationId xmlns:a16="http://schemas.microsoft.com/office/drawing/2014/main" id="{A40D6F1F-9870-4839-B09C-74AA158816B4}"/>
+              </a:ext>
+            </a:extLst>
+          </p:cNvPr>
+          <p:cNvPicPr>
+            <a:picLocks noChangeAspect="1"/>
+          </p:cNvPicPr>
+          <p:nvPr/>
+        </p:nvPicPr>
+        <p:blipFill>
+          <a:blip r:embed="rId3">
+            <a:extLst>
+              <a:ext uri="{28A0092B-C50C-407E-A947-70E740481C1C}">
+                <a14:useLocalDpi xmlns:a14="http://schemas.microsoft.com/office/drawing/2010/main" val="0"/>
+              </a:ext>
+            </a:extLst>
+          </a:blip>
+          <a:stretch>
+            <a:fillRect/>
+          </a:stretch>
+        </p:blipFill>
+        <p:spPr>
+          <a:xfrm>
+            <a:off x="1816639" y="0"/>
+            <a:ext cx="8558721" cy="6858000"/>
+          </a:xfrm>
+          <a:prstGeom prst="rect">
+            <a:avLst/>
+          </a:prstGeom>
+        </p:spPr>
+      </p:pic>
+    </p:spTree>
+    <p:extLst>
+      <p:ext uri="{BB962C8B-B14F-4D97-AF65-F5344CB8AC3E}">
+        <p14:creationId xmlns:p14="http://schemas.microsoft.com/office/powerpoint/2010/main" val="95992585"/>
+      </p:ext>
+    </p:extLst>
+  </p:cSld>
+  <p:clrMapOvr>
+    <a:masterClrMapping/>
+  </p:clrMapOvr>
+</p:sld>
+</file>
+
+<file path=ppt/slides/slide24.xml><?xml version="1.0" encoding="utf-8"?>
+<p:sld xmlns:a="http://schemas.openxmlformats.org/drawingml/2006/main" xmlns:r="http://schemas.openxmlformats.org/officeDocument/2006/relationships" xmlns:p="http://schemas.openxmlformats.org/presentationml/2006/main">
+  <p:cSld>
+    <p:spTree>
+      <p:nvGrpSpPr>
+        <p:cNvPr id="1" name=""/>
+        <p:cNvGrpSpPr/>
+        <p:nvPr/>
+      </p:nvGrpSpPr>
+      <p:grpSpPr>
+        <a:xfrm>
+          <a:off x="0" y="0"/>
+          <a:ext cx="0" cy="0"/>
+          <a:chOff x="0" y="0"/>
+          <a:chExt cx="0" cy="0"/>
+        </a:xfrm>
+      </p:grpSpPr>
+      <p:pic>
+        <p:nvPicPr>
           <p:cNvPr id="12" name="slide12" descr="Road Types">
             <a:extLst>
               <a:ext uri="{FF2B5EF4-FFF2-40B4-BE49-F238E27FC236}">
@@ -7795,7 +8052,7 @@
 </p:sld>
 </file>
 
-<file path=ppt/slides/slide24.xml><?xml version="1.0" encoding="utf-8"?>
+<file path=ppt/slides/slide25.xml><?xml version="1.0" encoding="utf-8"?>
 <p:sld xmlns:a="http://schemas.openxmlformats.org/drawingml/2006/main" xmlns:r="http://schemas.openxmlformats.org/officeDocument/2006/relationships" xmlns:p="http://schemas.openxmlformats.org/presentationml/2006/main">
   <p:cSld>
     <p:spTree>
@@ -8193,200 +8450,6 @@
 </p:sld>
 </file>
 
-<file path=ppt/slides/slide25.xml><?xml version="1.0" encoding="utf-8"?>
-<p:sld xmlns:a="http://schemas.openxmlformats.org/drawingml/2006/main" xmlns:r="http://schemas.openxmlformats.org/officeDocument/2006/relationships" xmlns:p="http://schemas.openxmlformats.org/presentationml/2006/main">
-  <p:cSld>
-    <p:spTree>
-      <p:nvGrpSpPr>
-        <p:cNvPr id="1" name=""/>
-        <p:cNvGrpSpPr/>
-        <p:nvPr/>
-      </p:nvGrpSpPr>
-      <p:grpSpPr>
-        <a:xfrm>
-          <a:off x="0" y="0"/>
-          <a:ext cx="0" cy="0"/>
-          <a:chOff x="0" y="0"/>
-          <a:chExt cx="0" cy="0"/>
-        </a:xfrm>
-      </p:grpSpPr>
-      <p:sp>
-        <p:nvSpPr>
-          <p:cNvPr id="2" name="TextBox 1">
-            <a:extLst>
-              <a:ext uri="{FF2B5EF4-FFF2-40B4-BE49-F238E27FC236}">
-                <a16:creationId xmlns:a16="http://schemas.microsoft.com/office/drawing/2014/main" id="{D55B2BFE-942F-F966-2B10-BEFBBB2A0746}"/>
-              </a:ext>
-            </a:extLst>
-          </p:cNvPr>
-          <p:cNvSpPr txBox="1"/>
-          <p:nvPr/>
-        </p:nvSpPr>
-        <p:spPr>
-          <a:xfrm>
-            <a:off x="2682239" y="278675"/>
-            <a:ext cx="5442857" cy="923330"/>
-          </a:xfrm>
-          <a:prstGeom prst="rect">
-            <a:avLst/>
-          </a:prstGeom>
-          <a:noFill/>
-        </p:spPr>
-        <p:txBody>
-          <a:bodyPr wrap="square" rtlCol="0">
-            <a:spAutoFit/>
-          </a:bodyPr>
-          <a:lstStyle/>
-          <a:p>
-            <a:pPr algn="ctr"/>
-            <a:r>
-              <a:rPr lang="en-US" sz="5400" dirty="0"/>
-              <a:t>Conclusions</a:t>
-            </a:r>
-            <a:endParaRPr lang="en-US" dirty="0"/>
-          </a:p>
-        </p:txBody>
-      </p:sp>
-      <p:sp>
-        <p:nvSpPr>
-          <p:cNvPr id="3" name="TextBox 2">
-            <a:extLst>
-              <a:ext uri="{FF2B5EF4-FFF2-40B4-BE49-F238E27FC236}">
-                <a16:creationId xmlns:a16="http://schemas.microsoft.com/office/drawing/2014/main" id="{D95F7F94-EDF1-0962-4E0B-4F91785325C5}"/>
-              </a:ext>
-            </a:extLst>
-          </p:cNvPr>
-          <p:cNvSpPr txBox="1"/>
-          <p:nvPr/>
-        </p:nvSpPr>
-        <p:spPr>
-          <a:xfrm>
-            <a:off x="1515291" y="1776549"/>
-            <a:ext cx="8456023" cy="3108543"/>
-          </a:xfrm>
-          <a:prstGeom prst="rect">
-            <a:avLst/>
-          </a:prstGeom>
-          <a:noFill/>
-        </p:spPr>
-        <p:txBody>
-          <a:bodyPr wrap="square" rtlCol="0">
-            <a:spAutoFit/>
-          </a:bodyPr>
-          <a:lstStyle/>
-          <a:p>
-            <a:r>
-              <a:rPr lang="en-US" dirty="0"/>
-              <a:t>Some conditions can make it more likely for an accident to occur.</a:t>
-            </a:r>
-          </a:p>
-          <a:p>
-            <a:endParaRPr lang="en-US" dirty="0"/>
-          </a:p>
-          <a:p>
-            <a:pPr marL="285750" indent="-285750">
-              <a:buFont typeface="Arial" panose="020B0604020202020204" pitchFamily="34" charset="0"/>
-              <a:buChar char="•"/>
-            </a:pPr>
-            <a:r>
-              <a:rPr lang="en-US" dirty="0"/>
-              <a:t>Driving in the afternoons or on the way home after work.</a:t>
-            </a:r>
-          </a:p>
-          <a:p>
-            <a:pPr marL="285750" indent="-285750">
-              <a:buFont typeface="Arial" panose="020B0604020202020204" pitchFamily="34" charset="0"/>
-              <a:buChar char="•"/>
-            </a:pPr>
-            <a:r>
-              <a:rPr lang="en-US" dirty="0"/>
-              <a:t>Driving on long straight routes in good weather (leading to carelessness).</a:t>
-            </a:r>
-          </a:p>
-          <a:p>
-            <a:pPr marL="285750" indent="-285750">
-              <a:buFont typeface="Arial" panose="020B0604020202020204" pitchFamily="34" charset="0"/>
-              <a:buChar char="•"/>
-            </a:pPr>
-            <a:r>
-              <a:rPr lang="en-US" dirty="0"/>
-              <a:t>Driving an older vehicle, in urban city regions, or in areas where the IMD index indicates the possibility of dangerous factors.</a:t>
-            </a:r>
-          </a:p>
-          <a:p>
-            <a:pPr marL="285750" indent="-285750">
-              <a:buFont typeface="Arial" panose="020B0604020202020204" pitchFamily="34" charset="0"/>
-              <a:buChar char="•"/>
-            </a:pPr>
-            <a:r>
-              <a:rPr lang="en-US" dirty="0"/>
-              <a:t>Driving in regions where the speed limit is lower may lead to accidents (for reasons not investigated in this analysis).</a:t>
-            </a:r>
-          </a:p>
-          <a:p>
-            <a:endParaRPr lang="en-US" i="1" dirty="0"/>
-          </a:p>
-          <a:p>
-            <a:endParaRPr lang="en-US" i="1" dirty="0"/>
-          </a:p>
-          <a:p>
-            <a:r>
-              <a:rPr lang="en-US" sz="1600" i="1" dirty="0">
-                <a:solidFill>
-                  <a:schemeClr val="tx1">
-                    <a:lumMod val="50000"/>
-                    <a:lumOff val="50000"/>
-                  </a:schemeClr>
-                </a:solidFill>
-              </a:rPr>
-              <a:t>Note: If a passenger, </a:t>
-            </a:r>
-            <a:r>
-              <a:rPr lang="en-US" sz="1600" i="1" dirty="0" err="1">
-                <a:solidFill>
-                  <a:schemeClr val="tx1">
-                    <a:lumMod val="50000"/>
-                    <a:lumOff val="50000"/>
-                  </a:schemeClr>
-                </a:solidFill>
-              </a:rPr>
-              <a:t>chosing</a:t>
-            </a:r>
-            <a:r>
-              <a:rPr lang="en-US" sz="1600" i="1" dirty="0">
-                <a:solidFill>
-                  <a:schemeClr val="tx1">
-                    <a:lumMod val="50000"/>
-                    <a:lumOff val="50000"/>
-                  </a:schemeClr>
-                </a:solidFill>
-              </a:rPr>
-              <a:t> the rear seat may prevent or lessen injury in case of an accident.</a:t>
-            </a:r>
-            <a:endParaRPr lang="en-US" dirty="0">
-              <a:solidFill>
-                <a:schemeClr val="tx1">
-                  <a:lumMod val="50000"/>
-                  <a:lumOff val="50000"/>
-                </a:schemeClr>
-              </a:solidFill>
-            </a:endParaRPr>
-          </a:p>
-        </p:txBody>
-      </p:sp>
-    </p:spTree>
-    <p:extLst>
-      <p:ext uri="{BB962C8B-B14F-4D97-AF65-F5344CB8AC3E}">
-        <p14:creationId xmlns:p14="http://schemas.microsoft.com/office/powerpoint/2010/main" val="2602332117"/>
-      </p:ext>
-    </p:extLst>
-  </p:cSld>
-  <p:clrMapOvr>
-    <a:masterClrMapping/>
-  </p:clrMapOvr>
-</p:sld>
-</file>
-
 <file path=ppt/slides/slide26.xml><?xml version="1.0" encoding="utf-8"?>
 <p:sld xmlns:a="http://schemas.openxmlformats.org/drawingml/2006/main" xmlns:r="http://schemas.openxmlformats.org/officeDocument/2006/relationships" xmlns:p="http://schemas.openxmlformats.org/presentationml/2006/main">
   <p:cSld>
@@ -8409,6 +8472,200 @@
           <p:cNvPr id="2" name="TextBox 1">
             <a:extLst>
               <a:ext uri="{FF2B5EF4-FFF2-40B4-BE49-F238E27FC236}">
+                <a16:creationId xmlns:a16="http://schemas.microsoft.com/office/drawing/2014/main" id="{D55B2BFE-942F-F966-2B10-BEFBBB2A0746}"/>
+              </a:ext>
+            </a:extLst>
+          </p:cNvPr>
+          <p:cNvSpPr txBox="1"/>
+          <p:nvPr/>
+        </p:nvSpPr>
+        <p:spPr>
+          <a:xfrm>
+            <a:off x="2682239" y="278675"/>
+            <a:ext cx="5442857" cy="923330"/>
+          </a:xfrm>
+          <a:prstGeom prst="rect">
+            <a:avLst/>
+          </a:prstGeom>
+          <a:noFill/>
+        </p:spPr>
+        <p:txBody>
+          <a:bodyPr wrap="square" rtlCol="0">
+            <a:spAutoFit/>
+          </a:bodyPr>
+          <a:lstStyle/>
+          <a:p>
+            <a:pPr algn="ctr"/>
+            <a:r>
+              <a:rPr lang="en-US" sz="5400" dirty="0"/>
+              <a:t>Conclusions</a:t>
+            </a:r>
+            <a:endParaRPr lang="en-US" dirty="0"/>
+          </a:p>
+        </p:txBody>
+      </p:sp>
+      <p:sp>
+        <p:nvSpPr>
+          <p:cNvPr id="3" name="TextBox 2">
+            <a:extLst>
+              <a:ext uri="{FF2B5EF4-FFF2-40B4-BE49-F238E27FC236}">
+                <a16:creationId xmlns:a16="http://schemas.microsoft.com/office/drawing/2014/main" id="{D95F7F94-EDF1-0962-4E0B-4F91785325C5}"/>
+              </a:ext>
+            </a:extLst>
+          </p:cNvPr>
+          <p:cNvSpPr txBox="1"/>
+          <p:nvPr/>
+        </p:nvSpPr>
+        <p:spPr>
+          <a:xfrm>
+            <a:off x="1515291" y="1776549"/>
+            <a:ext cx="8456023" cy="3108543"/>
+          </a:xfrm>
+          <a:prstGeom prst="rect">
+            <a:avLst/>
+          </a:prstGeom>
+          <a:noFill/>
+        </p:spPr>
+        <p:txBody>
+          <a:bodyPr wrap="square" rtlCol="0">
+            <a:spAutoFit/>
+          </a:bodyPr>
+          <a:lstStyle/>
+          <a:p>
+            <a:r>
+              <a:rPr lang="en-US" dirty="0"/>
+              <a:t>Some conditions can make it more likely for an accident to occur.</a:t>
+            </a:r>
+          </a:p>
+          <a:p>
+            <a:endParaRPr lang="en-US" dirty="0"/>
+          </a:p>
+          <a:p>
+            <a:pPr marL="285750" indent="-285750">
+              <a:buFont typeface="Arial" panose="020B0604020202020204" pitchFamily="34" charset="0"/>
+              <a:buChar char="•"/>
+            </a:pPr>
+            <a:r>
+              <a:rPr lang="en-US" dirty="0"/>
+              <a:t>Driving in the afternoons or on the way home after work.</a:t>
+            </a:r>
+          </a:p>
+          <a:p>
+            <a:pPr marL="285750" indent="-285750">
+              <a:buFont typeface="Arial" panose="020B0604020202020204" pitchFamily="34" charset="0"/>
+              <a:buChar char="•"/>
+            </a:pPr>
+            <a:r>
+              <a:rPr lang="en-US" dirty="0"/>
+              <a:t>Driving on long straight routes in good weather (leading to carelessness).</a:t>
+            </a:r>
+          </a:p>
+          <a:p>
+            <a:pPr marL="285750" indent="-285750">
+              <a:buFont typeface="Arial" panose="020B0604020202020204" pitchFamily="34" charset="0"/>
+              <a:buChar char="•"/>
+            </a:pPr>
+            <a:r>
+              <a:rPr lang="en-US" dirty="0"/>
+              <a:t>Driving an older vehicle, in urban city regions, or in areas where the IMD index indicates the possibility of dangerous factors.</a:t>
+            </a:r>
+          </a:p>
+          <a:p>
+            <a:pPr marL="285750" indent="-285750">
+              <a:buFont typeface="Arial" panose="020B0604020202020204" pitchFamily="34" charset="0"/>
+              <a:buChar char="•"/>
+            </a:pPr>
+            <a:r>
+              <a:rPr lang="en-US" dirty="0"/>
+              <a:t>Driving in regions where the speed limit is lower may lead to accidents (for reasons not investigated in this analysis).</a:t>
+            </a:r>
+          </a:p>
+          <a:p>
+            <a:endParaRPr lang="en-US" i="1" dirty="0"/>
+          </a:p>
+          <a:p>
+            <a:endParaRPr lang="en-US" i="1" dirty="0"/>
+          </a:p>
+          <a:p>
+            <a:r>
+              <a:rPr lang="en-US" sz="1600" i="1" dirty="0">
+                <a:solidFill>
+                  <a:schemeClr val="tx1">
+                    <a:lumMod val="50000"/>
+                    <a:lumOff val="50000"/>
+                  </a:schemeClr>
+                </a:solidFill>
+              </a:rPr>
+              <a:t>Note: If a passenger, </a:t>
+            </a:r>
+            <a:r>
+              <a:rPr lang="en-US" sz="1600" i="1" dirty="0" err="1">
+                <a:solidFill>
+                  <a:schemeClr val="tx1">
+                    <a:lumMod val="50000"/>
+                    <a:lumOff val="50000"/>
+                  </a:schemeClr>
+                </a:solidFill>
+              </a:rPr>
+              <a:t>chosing</a:t>
+            </a:r>
+            <a:r>
+              <a:rPr lang="en-US" sz="1600" i="1" dirty="0">
+                <a:solidFill>
+                  <a:schemeClr val="tx1">
+                    <a:lumMod val="50000"/>
+                    <a:lumOff val="50000"/>
+                  </a:schemeClr>
+                </a:solidFill>
+              </a:rPr>
+              <a:t> the rear seat may prevent or lessen injury in case of an accident.</a:t>
+            </a:r>
+            <a:endParaRPr lang="en-US" dirty="0">
+              <a:solidFill>
+                <a:schemeClr val="tx1">
+                  <a:lumMod val="50000"/>
+                  <a:lumOff val="50000"/>
+                </a:schemeClr>
+              </a:solidFill>
+            </a:endParaRPr>
+          </a:p>
+        </p:txBody>
+      </p:sp>
+    </p:spTree>
+    <p:extLst>
+      <p:ext uri="{BB962C8B-B14F-4D97-AF65-F5344CB8AC3E}">
+        <p14:creationId xmlns:p14="http://schemas.microsoft.com/office/powerpoint/2010/main" val="2602332117"/>
+      </p:ext>
+    </p:extLst>
+  </p:cSld>
+  <p:clrMapOvr>
+    <a:masterClrMapping/>
+  </p:clrMapOvr>
+</p:sld>
+</file>
+
+<file path=ppt/slides/slide27.xml><?xml version="1.0" encoding="utf-8"?>
+<p:sld xmlns:a="http://schemas.openxmlformats.org/drawingml/2006/main" xmlns:r="http://schemas.openxmlformats.org/officeDocument/2006/relationships" xmlns:p="http://schemas.openxmlformats.org/presentationml/2006/main">
+  <p:cSld>
+    <p:spTree>
+      <p:nvGrpSpPr>
+        <p:cNvPr id="1" name=""/>
+        <p:cNvGrpSpPr/>
+        <p:nvPr/>
+      </p:nvGrpSpPr>
+      <p:grpSpPr>
+        <a:xfrm>
+          <a:off x="0" y="0"/>
+          <a:ext cx="0" cy="0"/>
+          <a:chOff x="0" y="0"/>
+          <a:chExt cx="0" cy="0"/>
+        </a:xfrm>
+      </p:grpSpPr>
+      <p:sp>
+        <p:nvSpPr>
+          <p:cNvPr id="2" name="TextBox 1">
+            <a:extLst>
+              <a:ext uri="{FF2B5EF4-FFF2-40B4-BE49-F238E27FC236}">
                 <a16:creationId xmlns:a16="http://schemas.microsoft.com/office/drawing/2014/main" id="{210C3736-3FAB-059B-683B-C69AC849E69C}"/>
               </a:ext>
             </a:extLst>
@@ -8678,7 +8935,7 @@
 </p:sld>
 </file>
 
-<file path=ppt/slides/slide27.xml><?xml version="1.0" encoding="utf-8"?>
+<file path=ppt/slides/slide28.xml><?xml version="1.0" encoding="utf-8"?>
 <p:sld xmlns:a="http://schemas.openxmlformats.org/drawingml/2006/main" xmlns:r="http://schemas.openxmlformats.org/officeDocument/2006/relationships" xmlns:p="http://schemas.openxmlformats.org/presentationml/2006/main">
   <p:cSld>
     <p:spTree>
@@ -8949,40 +9206,12 @@
           <a:chExt cx="0" cy="0"/>
         </a:xfrm>
       </p:grpSpPr>
-      <p:graphicFrame>
-        <p:nvGraphicFramePr>
-          <p:cNvPr id="7" name="Chart 6">
+      <p:sp>
+        <p:nvSpPr>
+          <p:cNvPr id="3" name="TextBox 2">
             <a:extLst>
               <a:ext uri="{FF2B5EF4-FFF2-40B4-BE49-F238E27FC236}">
-                <a16:creationId xmlns:a16="http://schemas.microsoft.com/office/drawing/2014/main" id="{2549A41F-3A47-CA43-FFD0-B3F7E76D6379}"/>
-              </a:ext>
-            </a:extLst>
-          </p:cNvPr>
-          <p:cNvGraphicFramePr/>
-          <p:nvPr>
-            <p:extLst>
-              <p:ext uri="{D42A27DB-BD31-4B8C-83A1-F6EECF244321}">
-                <p14:modId xmlns:p14="http://schemas.microsoft.com/office/powerpoint/2010/main" val="1972553019"/>
-              </p:ext>
-            </p:extLst>
-          </p:nvPr>
-        </p:nvGraphicFramePr>
-        <p:xfrm>
-          <a:off x="2850544" y="1100062"/>
-          <a:ext cx="6336937" cy="4657876"/>
-        </p:xfrm>
-        <a:graphic>
-          <a:graphicData uri="http://schemas.openxmlformats.org/drawingml/2006/chart">
-            <c:chart xmlns:c="http://schemas.openxmlformats.org/drawingml/2006/chart" xmlns:r="http://schemas.openxmlformats.org/officeDocument/2006/relationships" r:id="rId3"/>
-          </a:graphicData>
-        </a:graphic>
-      </p:graphicFrame>
-      <p:sp>
-        <p:nvSpPr>
-          <p:cNvPr id="8" name="TextBox 7">
-            <a:extLst>
-              <a:ext uri="{FF2B5EF4-FFF2-40B4-BE49-F238E27FC236}">
-                <a16:creationId xmlns:a16="http://schemas.microsoft.com/office/drawing/2014/main" id="{FA271516-06D4-E016-0D73-A35C167CBB56}"/>
+                <a16:creationId xmlns:a16="http://schemas.microsoft.com/office/drawing/2014/main" id="{20F1EFF2-2B7B-1CED-5DA7-C26ECDB659F8}"/>
               </a:ext>
             </a:extLst>
           </p:cNvPr>
@@ -8991,8 +9220,8 @@
         </p:nvSpPr>
         <p:spPr>
           <a:xfrm>
-            <a:off x="4157219" y="453731"/>
-            <a:ext cx="3723588" cy="646331"/>
+            <a:off x="535577" y="2506456"/>
+            <a:ext cx="11120846" cy="1569660"/>
           </a:xfrm>
           <a:prstGeom prst="rect">
             <a:avLst/>
@@ -9005,27 +9234,23 @@
           </a:bodyPr>
           <a:lstStyle/>
           <a:p>
-            <a:pPr algn="ctr"/>
-            <a:r>
-              <a:rPr lang="en-US" b="1" dirty="0"/>
-              <a:t>THE UK ROAD SAFETY DATASET</a:t>
-            </a:r>
-          </a:p>
-          <a:p>
-            <a:pPr algn="ctr"/>
-            <a:r>
-              <a:rPr lang="en-US" dirty="0"/>
-              <a:t>2015 - 2018</a:t>
-            </a:r>
-          </a:p>
-        </p:txBody>
-      </p:sp>
-      <p:sp>
-        <p:nvSpPr>
-          <p:cNvPr id="10" name="TextBox 9">
+            <a:r>
+              <a:rPr lang="en-US" sz="3200" dirty="0">
+                <a:solidFill>
+                  <a:srgbClr val="C00000"/>
+                </a:solidFill>
+              </a:rPr>
+              <a:t>If you knew you were going to get into an accident on your commute home tonight, but you could prevent it, would you want to know how?</a:t>
+            </a:r>
+          </a:p>
+        </p:txBody>
+      </p:sp>
+      <p:sp>
+        <p:nvSpPr>
+          <p:cNvPr id="4" name="TextBox 3">
             <a:extLst>
               <a:ext uri="{FF2B5EF4-FFF2-40B4-BE49-F238E27FC236}">
-                <a16:creationId xmlns:a16="http://schemas.microsoft.com/office/drawing/2014/main" id="{6D619674-7E4D-82AD-AAE2-EDF512D430B0}"/>
+                <a16:creationId xmlns:a16="http://schemas.microsoft.com/office/drawing/2014/main" id="{257E4944-DAB1-0300-5541-769259EAABB9}"/>
               </a:ext>
             </a:extLst>
           </p:cNvPr>
@@ -9034,8 +9259,8 @@
         </p:nvSpPr>
         <p:spPr>
           <a:xfrm>
-            <a:off x="243840" y="6219603"/>
-            <a:ext cx="8133806" cy="369332"/>
+            <a:off x="1824445" y="1025244"/>
+            <a:ext cx="9257212" cy="923330"/>
           </a:xfrm>
           <a:prstGeom prst="rect">
             <a:avLst/>
@@ -9049,15 +9274,81 @@
           <a:lstStyle/>
           <a:p>
             <a:r>
-              <a:rPr lang="en-US" i="1" dirty="0">
+              <a:rPr lang="en-US" sz="5400" dirty="0"/>
+              <a:t>Can we prevent an accident?</a:t>
+            </a:r>
+          </a:p>
+        </p:txBody>
+      </p:sp>
+      <p:sp>
+        <p:nvSpPr>
+          <p:cNvPr id="5" name="TextBox 4">
+            <a:extLst>
+              <a:ext uri="{FF2B5EF4-FFF2-40B4-BE49-F238E27FC236}">
+                <a16:creationId xmlns:a16="http://schemas.microsoft.com/office/drawing/2014/main" id="{32F54929-4D6A-2387-19EB-29480B019BC8}"/>
+              </a:ext>
+            </a:extLst>
+          </p:cNvPr>
+          <p:cNvSpPr txBox="1"/>
+          <p:nvPr/>
+        </p:nvSpPr>
+        <p:spPr>
+          <a:xfrm>
+            <a:off x="148045" y="5191880"/>
+            <a:ext cx="10406743" cy="1446550"/>
+          </a:xfrm>
+          <a:prstGeom prst="rect">
+            <a:avLst/>
+          </a:prstGeom>
+          <a:noFill/>
+        </p:spPr>
+        <p:txBody>
+          <a:bodyPr wrap="square" rtlCol="0">
+            <a:spAutoFit/>
+          </a:bodyPr>
+          <a:lstStyle/>
+          <a:p>
+            <a:r>
+              <a:rPr lang="en-US" dirty="0">
                 <a:solidFill>
-                  <a:schemeClr val="tx1">
+                  <a:schemeClr val="bg1">
                     <a:lumMod val="50000"/>
-                    <a:lumOff val="50000"/>
                   </a:schemeClr>
                 </a:solidFill>
               </a:rPr>
-              <a:t>Note: Data from 2019 was collected but unverified. Therefore, left out of this analysis.</a:t>
+              <a:t>Disclaimers:</a:t>
+            </a:r>
+          </a:p>
+          <a:p>
+            <a:pPr marL="285750" indent="-285750">
+              <a:buFont typeface="Arial" panose="020B0604020202020204" pitchFamily="34" charset="0"/>
+              <a:buChar char="•"/>
+            </a:pPr>
+            <a:r>
+              <a:rPr lang="en-US" sz="1400" dirty="0">
+                <a:solidFill>
+                  <a:schemeClr val="bg1">
+                    <a:lumMod val="50000"/>
+                  </a:schemeClr>
+                </a:solidFill>
+              </a:rPr>
+              <a:t>Incomplete data or missing values are present in several measures, leading to an incomplete representation of all accidents within those metrics.</a:t>
+            </a:r>
+          </a:p>
+          <a:p>
+            <a:pPr marL="285750" indent="-285750">
+              <a:buFont typeface="Arial" panose="020B0604020202020204" pitchFamily="34" charset="0"/>
+              <a:buChar char="•"/>
+            </a:pPr>
+            <a:r>
+              <a:rPr lang="en-US" sz="1400" dirty="0">
+                <a:solidFill>
+                  <a:schemeClr val="bg1">
+                    <a:lumMod val="50000"/>
+                  </a:schemeClr>
+                </a:solidFill>
+              </a:rPr>
+              <a:t>The following slides represent the question “Does this tell me anything?” Therefore, some slides will reflect that a particular measure is not significant, while others may indicate something interesting or useful. Sometimes it is the items that do not show a trend that surprised me most.</a:t>
             </a:r>
           </a:p>
         </p:txBody>
@@ -9065,7 +9356,7 @@
     </p:spTree>
     <p:extLst>
       <p:ext uri="{BB962C8B-B14F-4D97-AF65-F5344CB8AC3E}">
-        <p14:creationId xmlns:p14="http://schemas.microsoft.com/office/powerpoint/2010/main" val="95992585"/>
+        <p14:creationId xmlns:p14="http://schemas.microsoft.com/office/powerpoint/2010/main" val="2901994368"/>
       </p:ext>
     </p:extLst>
   </p:cSld>
@@ -9092,42 +9383,119 @@
           <a:chExt cx="0" cy="0"/>
         </a:xfrm>
       </p:grpSpPr>
-      <p:pic>
-        <p:nvPicPr>
-          <p:cNvPr id="3" name="slide3" descr="Year over Year">
+      <p:graphicFrame>
+        <p:nvGraphicFramePr>
+          <p:cNvPr id="7" name="Chart 6">
             <a:extLst>
               <a:ext uri="{FF2B5EF4-FFF2-40B4-BE49-F238E27FC236}">
-                <a16:creationId xmlns:a16="http://schemas.microsoft.com/office/drawing/2014/main" id="{48567B9F-69F1-4A76-ACF9-59B2C13F7ED0}"/>
+                <a16:creationId xmlns:a16="http://schemas.microsoft.com/office/drawing/2014/main" id="{2549A41F-3A47-CA43-FFD0-B3F7E76D6379}"/>
               </a:ext>
             </a:extLst>
           </p:cNvPr>
-          <p:cNvPicPr>
-            <a:picLocks noChangeAspect="1"/>
-          </p:cNvPicPr>
+          <p:cNvGraphicFramePr/>
+          <p:nvPr>
+            <p:extLst>
+              <p:ext uri="{D42A27DB-BD31-4B8C-83A1-F6EECF244321}">
+                <p14:modId xmlns:p14="http://schemas.microsoft.com/office/powerpoint/2010/main" val="1972553019"/>
+              </p:ext>
+            </p:extLst>
+          </p:nvPr>
+        </p:nvGraphicFramePr>
+        <p:xfrm>
+          <a:off x="2850544" y="1100062"/>
+          <a:ext cx="6336937" cy="4657876"/>
+        </p:xfrm>
+        <a:graphic>
+          <a:graphicData uri="http://schemas.openxmlformats.org/drawingml/2006/chart">
+            <c:chart xmlns:c="http://schemas.openxmlformats.org/drawingml/2006/chart" xmlns:r="http://schemas.openxmlformats.org/officeDocument/2006/relationships" r:id="rId3"/>
+          </a:graphicData>
+        </a:graphic>
+      </p:graphicFrame>
+      <p:sp>
+        <p:nvSpPr>
+          <p:cNvPr id="8" name="TextBox 7">
+            <a:extLst>
+              <a:ext uri="{FF2B5EF4-FFF2-40B4-BE49-F238E27FC236}">
+                <a16:creationId xmlns:a16="http://schemas.microsoft.com/office/drawing/2014/main" id="{FA271516-06D4-E016-0D73-A35C167CBB56}"/>
+              </a:ext>
+            </a:extLst>
+          </p:cNvPr>
+          <p:cNvSpPr txBox="1"/>
           <p:nvPr/>
-        </p:nvPicPr>
-        <p:blipFill>
-          <a:blip r:embed="rId3">
-            <a:extLst>
-              <a:ext uri="{28A0092B-C50C-407E-A947-70E740481C1C}">
-                <a14:useLocalDpi xmlns:a14="http://schemas.microsoft.com/office/drawing/2010/main" val="0"/>
-              </a:ext>
-            </a:extLst>
-          </a:blip>
-          <a:stretch>
-            <a:fillRect/>
-          </a:stretch>
-        </p:blipFill>
+        </p:nvSpPr>
         <p:spPr>
           <a:xfrm>
-            <a:off x="227214" y="0"/>
-            <a:ext cx="11737571" cy="6858000"/>
+            <a:off x="4157219" y="453731"/>
+            <a:ext cx="3723588" cy="646331"/>
           </a:xfrm>
           <a:prstGeom prst="rect">
             <a:avLst/>
           </a:prstGeom>
+          <a:noFill/>
         </p:spPr>
-      </p:pic>
+        <p:txBody>
+          <a:bodyPr wrap="square" rtlCol="0">
+            <a:spAutoFit/>
+          </a:bodyPr>
+          <a:lstStyle/>
+          <a:p>
+            <a:pPr algn="ctr"/>
+            <a:r>
+              <a:rPr lang="en-US" b="1" dirty="0"/>
+              <a:t>THE UK ROAD SAFETY DATASET</a:t>
+            </a:r>
+          </a:p>
+          <a:p>
+            <a:pPr algn="ctr"/>
+            <a:r>
+              <a:rPr lang="en-US" dirty="0"/>
+              <a:t>2015 - 2018</a:t>
+            </a:r>
+          </a:p>
+        </p:txBody>
+      </p:sp>
+      <p:sp>
+        <p:nvSpPr>
+          <p:cNvPr id="10" name="TextBox 9">
+            <a:extLst>
+              <a:ext uri="{FF2B5EF4-FFF2-40B4-BE49-F238E27FC236}">
+                <a16:creationId xmlns:a16="http://schemas.microsoft.com/office/drawing/2014/main" id="{6D619674-7E4D-82AD-AAE2-EDF512D430B0}"/>
+              </a:ext>
+            </a:extLst>
+          </p:cNvPr>
+          <p:cNvSpPr txBox="1"/>
+          <p:nvPr/>
+        </p:nvSpPr>
+        <p:spPr>
+          <a:xfrm>
+            <a:off x="243840" y="6219603"/>
+            <a:ext cx="8133806" cy="369332"/>
+          </a:xfrm>
+          <a:prstGeom prst="rect">
+            <a:avLst/>
+          </a:prstGeom>
+          <a:noFill/>
+        </p:spPr>
+        <p:txBody>
+          <a:bodyPr wrap="square" rtlCol="0">
+            <a:spAutoFit/>
+          </a:bodyPr>
+          <a:lstStyle/>
+          <a:p>
+            <a:r>
+              <a:rPr lang="en-US" i="1" dirty="0">
+                <a:solidFill>
+                  <a:schemeClr val="tx1">
+                    <a:lumMod val="50000"/>
+                    <a:lumOff val="50000"/>
+                  </a:schemeClr>
+                </a:solidFill>
+              </a:rPr>
+              <a:t>Note: Data from 2019 was collected but unverified. Therefore, left out of this analysis.</a:t>
+            </a:r>
+          </a:p>
+        </p:txBody>
+      </p:sp>
     </p:spTree>
     <p:extLst>
       <p:ext uri="{BB962C8B-B14F-4D97-AF65-F5344CB8AC3E}">
@@ -9160,10 +9528,10 @@
       </p:grpSpPr>
       <p:pic>
         <p:nvPicPr>
-          <p:cNvPr id="4" name="slide4" descr="Seasons">
+          <p:cNvPr id="3" name="slide3" descr="Year over Year">
             <a:extLst>
               <a:ext uri="{FF2B5EF4-FFF2-40B4-BE49-F238E27FC236}">
-                <a16:creationId xmlns:a16="http://schemas.microsoft.com/office/drawing/2014/main" id="{57792633-D35F-40EA-9E0F-C3FC88189BDC}"/>
+                <a16:creationId xmlns:a16="http://schemas.microsoft.com/office/drawing/2014/main" id="{48567B9F-69F1-4A76-ACF9-59B2C13F7ED0}"/>
               </a:ext>
             </a:extLst>
           </p:cNvPr>
@@ -9186,8 +9554,8 @@
         </p:blipFill>
         <p:spPr>
           <a:xfrm>
-            <a:off x="1932504" y="0"/>
-            <a:ext cx="8326991" cy="6858000"/>
+            <a:off x="227214" y="0"/>
+            <a:ext cx="11737571" cy="6858000"/>
           </a:xfrm>
           <a:prstGeom prst="rect">
             <a:avLst/>
@@ -9226,10 +9594,10 @@
       </p:grpSpPr>
       <p:pic>
         <p:nvPicPr>
-          <p:cNvPr id="7" name="slide7" descr="Time Groups">
+          <p:cNvPr id="4" name="slide4" descr="Seasons">
             <a:extLst>
               <a:ext uri="{FF2B5EF4-FFF2-40B4-BE49-F238E27FC236}">
-                <a16:creationId xmlns:a16="http://schemas.microsoft.com/office/drawing/2014/main" id="{2449046B-E9BC-48CB-818C-C2B47D10C3CD}"/>
+                <a16:creationId xmlns:a16="http://schemas.microsoft.com/office/drawing/2014/main" id="{57792633-D35F-40EA-9E0F-C3FC88189BDC}"/>
               </a:ext>
             </a:extLst>
           </p:cNvPr>
@@ -9252,8 +9620,8 @@
         </p:blipFill>
         <p:spPr>
           <a:xfrm>
-            <a:off x="1875692" y="0"/>
-            <a:ext cx="8440616" cy="6858000"/>
+            <a:off x="1932504" y="0"/>
+            <a:ext cx="8326991" cy="6858000"/>
           </a:xfrm>
           <a:prstGeom prst="rect">
             <a:avLst/>
@@ -9292,10 +9660,10 @@
       </p:grpSpPr>
       <p:pic>
         <p:nvPicPr>
-          <p:cNvPr id="5" name="slide5" descr="Severity_Days_Bar">
+          <p:cNvPr id="7" name="slide7" descr="Time Groups">
             <a:extLst>
               <a:ext uri="{FF2B5EF4-FFF2-40B4-BE49-F238E27FC236}">
-                <a16:creationId xmlns:a16="http://schemas.microsoft.com/office/drawing/2014/main" id="{4C26F2BC-9A61-49D4-8084-0E84EFC767BA}"/>
+                <a16:creationId xmlns:a16="http://schemas.microsoft.com/office/drawing/2014/main" id="{2449046B-E9BC-48CB-818C-C2B47D10C3CD}"/>
               </a:ext>
             </a:extLst>
           </p:cNvPr>
@@ -9318,8 +9686,8 @@
         </p:blipFill>
         <p:spPr>
           <a:xfrm>
-            <a:off x="0" y="1580535"/>
-            <a:ext cx="12192000" cy="3696929"/>
+            <a:off x="1875692" y="0"/>
+            <a:ext cx="8440616" cy="6858000"/>
           </a:xfrm>
           <a:prstGeom prst="rect">
             <a:avLst/>
@@ -9358,10 +9726,10 @@
       </p:grpSpPr>
       <p:pic>
         <p:nvPicPr>
-          <p:cNvPr id="8" name="slide8" descr="Map_RoadTypes">
+          <p:cNvPr id="5" name="slide5" descr="Severity_Days_Bar">
             <a:extLst>
               <a:ext uri="{FF2B5EF4-FFF2-40B4-BE49-F238E27FC236}">
-                <a16:creationId xmlns:a16="http://schemas.microsoft.com/office/drawing/2014/main" id="{0F82B7FA-5629-4184-9E27-3CF40F12B5C1}"/>
+                <a16:creationId xmlns:a16="http://schemas.microsoft.com/office/drawing/2014/main" id="{4C26F2BC-9A61-49D4-8084-0E84EFC767BA}"/>
               </a:ext>
             </a:extLst>
           </p:cNvPr>
@@ -9384,8 +9752,8 @@
         </p:blipFill>
         <p:spPr>
           <a:xfrm>
-            <a:off x="0" y="899221"/>
-            <a:ext cx="12192000" cy="5059557"/>
+            <a:off x="0" y="1580535"/>
+            <a:ext cx="12192000" cy="3696929"/>
           </a:xfrm>
           <a:prstGeom prst="rect">
             <a:avLst/>
@@ -9424,10 +9792,10 @@
       </p:grpSpPr>
       <p:pic>
         <p:nvPicPr>
-          <p:cNvPr id="9" name="slide9" descr="Map_LocTypes">
+          <p:cNvPr id="8" name="slide8" descr="Map_RoadTypes">
             <a:extLst>
               <a:ext uri="{FF2B5EF4-FFF2-40B4-BE49-F238E27FC236}">
-                <a16:creationId xmlns:a16="http://schemas.microsoft.com/office/drawing/2014/main" id="{92163DD5-FC71-40DA-A0BC-FB06854353AC}"/>
+                <a16:creationId xmlns:a16="http://schemas.microsoft.com/office/drawing/2014/main" id="{0F82B7FA-5629-4184-9E27-3CF40F12B5C1}"/>
               </a:ext>
             </a:extLst>
           </p:cNvPr>
@@ -9450,8 +9818,8 @@
         </p:blipFill>
         <p:spPr>
           <a:xfrm>
-            <a:off x="0" y="92758"/>
-            <a:ext cx="12192000" cy="6672483"/>
+            <a:off x="0" y="899221"/>
+            <a:ext cx="12192000" cy="5059557"/>
           </a:xfrm>
           <a:prstGeom prst="rect">
             <a:avLst/>
